--- a/DATOS COVID Chile 2022 02 26.pptx
+++ b/DATOS COVID Chile 2022 02 26.pptx
@@ -220,7 +220,7 @@
           <a:p>
             <a:fld id="{447835AC-B937-DC4F-A9AF-DDEA21463513}" type="datetimeFigureOut">
               <a:rPr lang="en-US" smtClean="0"/>
-              <a:t>2/19/22</a:t>
+              <a:t>2/26/22</a:t>
             </a:fld>
             <a:endParaRPr lang="en-US"/>
           </a:p>
@@ -1606,7 +1606,7 @@
           <a:p>
             <a:fld id="{30EEB29E-0F50-7548-8684-F241B8F328C1}" type="datetimeFigureOut">
               <a:rPr lang="en-US" smtClean="0"/>
-              <a:t>2/19/22</a:t>
+              <a:t>2/26/22</a:t>
             </a:fld>
             <a:endParaRPr lang="en-US"/>
           </a:p>
@@ -1804,7 +1804,7 @@
           <a:p>
             <a:fld id="{30EEB29E-0F50-7548-8684-F241B8F328C1}" type="datetimeFigureOut">
               <a:rPr lang="en-US" smtClean="0"/>
-              <a:t>2/19/22</a:t>
+              <a:t>2/26/22</a:t>
             </a:fld>
             <a:endParaRPr lang="en-US"/>
           </a:p>
@@ -2012,7 +2012,7 @@
           <a:p>
             <a:fld id="{30EEB29E-0F50-7548-8684-F241B8F328C1}" type="datetimeFigureOut">
               <a:rPr lang="en-US" smtClean="0"/>
-              <a:t>2/19/22</a:t>
+              <a:t>2/26/22</a:t>
             </a:fld>
             <a:endParaRPr lang="en-US"/>
           </a:p>
@@ -2210,7 +2210,7 @@
           <a:p>
             <a:fld id="{30EEB29E-0F50-7548-8684-F241B8F328C1}" type="datetimeFigureOut">
               <a:rPr lang="en-US" smtClean="0"/>
-              <a:t>2/19/22</a:t>
+              <a:t>2/26/22</a:t>
             </a:fld>
             <a:endParaRPr lang="en-US"/>
           </a:p>
@@ -2485,7 +2485,7 @@
           <a:p>
             <a:fld id="{30EEB29E-0F50-7548-8684-F241B8F328C1}" type="datetimeFigureOut">
               <a:rPr lang="en-US" smtClean="0"/>
-              <a:t>2/19/22</a:t>
+              <a:t>2/26/22</a:t>
             </a:fld>
             <a:endParaRPr lang="en-US"/>
           </a:p>
@@ -2750,7 +2750,7 @@
           <a:p>
             <a:fld id="{30EEB29E-0F50-7548-8684-F241B8F328C1}" type="datetimeFigureOut">
               <a:rPr lang="en-US" smtClean="0"/>
-              <a:t>2/19/22</a:t>
+              <a:t>2/26/22</a:t>
             </a:fld>
             <a:endParaRPr lang="en-US"/>
           </a:p>
@@ -3162,7 +3162,7 @@
           <a:p>
             <a:fld id="{30EEB29E-0F50-7548-8684-F241B8F328C1}" type="datetimeFigureOut">
               <a:rPr lang="en-US" smtClean="0"/>
-              <a:t>2/19/22</a:t>
+              <a:t>2/26/22</a:t>
             </a:fld>
             <a:endParaRPr lang="en-US"/>
           </a:p>
@@ -3303,7 +3303,7 @@
           <a:p>
             <a:fld id="{30EEB29E-0F50-7548-8684-F241B8F328C1}" type="datetimeFigureOut">
               <a:rPr lang="en-US" smtClean="0"/>
-              <a:t>2/19/22</a:t>
+              <a:t>2/26/22</a:t>
             </a:fld>
             <a:endParaRPr lang="en-US"/>
           </a:p>
@@ -3416,7 +3416,7 @@
           <a:p>
             <a:fld id="{30EEB29E-0F50-7548-8684-F241B8F328C1}" type="datetimeFigureOut">
               <a:rPr lang="en-US" smtClean="0"/>
-              <a:t>2/19/22</a:t>
+              <a:t>2/26/22</a:t>
             </a:fld>
             <a:endParaRPr lang="en-US"/>
           </a:p>
@@ -3839,7 +3839,7 @@
           <a:p>
             <a:fld id="{30EEB29E-0F50-7548-8684-F241B8F328C1}" type="datetimeFigureOut">
               <a:rPr lang="en-US" smtClean="0"/>
-              <a:t>2/19/22</a:t>
+              <a:t>2/26/22</a:t>
             </a:fld>
             <a:endParaRPr lang="en-US"/>
           </a:p>
@@ -4127,7 +4127,7 @@
           <a:p>
             <a:fld id="{30EEB29E-0F50-7548-8684-F241B8F328C1}" type="datetimeFigureOut">
               <a:rPr lang="en-US" smtClean="0"/>
-              <a:t>2/19/22</a:t>
+              <a:t>2/26/22</a:t>
             </a:fld>
             <a:endParaRPr lang="en-US"/>
           </a:p>
@@ -4368,7 +4368,7 @@
           <a:p>
             <a:fld id="{30EEB29E-0F50-7548-8684-F241B8F328C1}" type="datetimeFigureOut">
               <a:rPr lang="en-US" smtClean="0"/>
-              <a:t>2/19/22</a:t>
+              <a:t>2/26/22</a:t>
             </a:fld>
             <a:endParaRPr lang="en-US"/>
           </a:p>
